--- a/presentations/final-presentations/2020-08-06-atpesc/05-testing.pptx
+++ b/presentations/final-presentations/2020-08-06-atpesc/05-testing.pptx
@@ -12,7 +12,7 @@
   </p:handoutMasterIdLst>
   <p:sldIdLst>
     <p:sldId id="318" r:id="rId5"/>
-    <p:sldId id="320" r:id="rId6"/>
+    <p:sldId id="587" r:id="rId6"/>
     <p:sldId id="276" r:id="rId7"/>
     <p:sldId id="280" r:id="rId8"/>
     <p:sldId id="575" r:id="rId9"/>
@@ -275,7 +275,7 @@
           <a:p>
             <a:fld id="{0B842F42-2CE9-4E35-95C1-410DC08A50B1}" type="datetimeFigureOut">
               <a:rPr lang="en-US" smtClean="0"/>
-              <a:t>8/3/2020</a:t>
+              <a:t>8/5/2020</a:t>
             </a:fld>
             <a:endParaRPr lang="en-US"/>
           </a:p>
@@ -440,7 +440,7 @@
           <a:p>
             <a:fld id="{6F282904-F315-4730-8D91-37D99E141A6F}" type="datetimeFigureOut">
               <a:rPr lang="en-US" smtClean="0"/>
-              <a:t>8/3/2020</a:t>
+              <a:t>8/5/2020</a:t>
             </a:fld>
             <a:endParaRPr lang="en-US"/>
           </a:p>
@@ -1355,7 +1355,7 @@
           <a:noFill/>
           <a:extLst>
             <a:ext uri="{909E8E84-426E-40dd-AFC4-6F175D3DCCD1}">
-              <a14:hiddenFill xmlns:a14="http://schemas.microsoft.com/office/drawing/2010/main" xmlns="">
+              <a14:hiddenFill xmlns="" xmlns:a14="http://schemas.microsoft.com/office/drawing/2010/main">
                 <a:solidFill>
                   <a:srgbClr val="FFFFFF"/>
                 </a:solidFill>
@@ -1509,7 +1509,7 @@
           <a:noFill/>
           <a:extLst>
             <a:ext uri="{909E8E84-426E-40dd-AFC4-6F175D3DCCD1}">
-              <a14:hiddenFill xmlns:a14="http://schemas.microsoft.com/office/drawing/2010/main" xmlns="">
+              <a14:hiddenFill xmlns="" xmlns:a14="http://schemas.microsoft.com/office/drawing/2010/main">
                 <a:solidFill>
                   <a:srgbClr val="FFFFFF"/>
                 </a:solidFill>
@@ -6722,7 +6722,7 @@
           <a:noFill/>
           <a:extLst>
             <a:ext uri="{909E8E84-426E-40dd-AFC4-6F175D3DCCD1}">
-              <a14:hiddenFill xmlns="" xmlns:a14="http://schemas.microsoft.com/office/drawing/2010/main">
+              <a14:hiddenFill xmlns:a14="http://schemas.microsoft.com/office/drawing/2010/main" xmlns="">
                 <a:solidFill>
                   <a:srgbClr val="FFFFFF"/>
                 </a:solidFill>
@@ -12133,7 +12133,7 @@
             </a:r>
             <a:r>
               <a:rPr lang="en-US" sz="1600" b="1" dirty="0"/>
-              <a:t>, Software Productivity Track, in Argonne Training Program for Extreme Scale Computing (ATPESC), online. DOI: </a:t>
+              <a:t>, Software Productivity Track, in Argonne Training Program for Extreme Scale Computing (ATPESC), August 2020, online. DOI: </a:t>
             </a:r>
             <a:r>
               <a:rPr lang="en-US" sz="1600" b="1" dirty="0">
@@ -12164,6 +12164,9 @@
           </a:p>
           <a:p>
             <a:pPr marL="0" indent="0">
+              <a:spcBef>
+                <a:spcPts val="800"/>
+              </a:spcBef>
               <a:buNone/>
             </a:pPr>
             <a:r>
@@ -12195,7 +12198,7 @@
             </a:r>
             <a:r>
               <a:rPr lang="en-US" sz="1600" dirty="0"/>
-              <a:t>, Jared O’Neal, David Rogers</a:t>
+              <a:t>, Jared O’Neal, David Rogers, Deborah Stevens</a:t>
             </a:r>
           </a:p>
           <a:p>
@@ -12326,7 +12329,7 @@
     </p:spTree>
     <p:extLst>
       <p:ext uri="{BB962C8B-B14F-4D97-AF65-F5344CB8AC3E}">
-        <p14:creationId xmlns:p14="http://schemas.microsoft.com/office/powerpoint/2010/main" val="978726433"/>
+        <p14:creationId xmlns:p14="http://schemas.microsoft.com/office/powerpoint/2010/main" val="3516006391"/>
       </p:ext>
     </p:extLst>
   </p:cSld>
@@ -16522,12 +16525,6 @@
 </file>
 
 <file path=customXml/item1.xml><?xml version="1.0" encoding="utf-8"?>
-<p:properties xmlns:p="http://schemas.microsoft.com/office/2006/metadata/properties" xmlns:xsi="http://www.w3.org/2001/XMLSchema-instance" xmlns:pc="http://schemas.microsoft.com/office/infopath/2007/PartnerControls">
-  <documentManagement/>
-</p:properties>
-</file>
-
-<file path=customXml/item2.xml><?xml version="1.0" encoding="utf-8"?>
 <ct:contentTypeSchema xmlns:ct="http://schemas.microsoft.com/office/2006/metadata/contentType" xmlns:ma="http://schemas.microsoft.com/office/2006/metadata/properties/metaAttributes" ct:_="" ma:_="" ma:contentTypeName="Document" ma:contentTypeID="0x010100565464437F680748A68B85EB6594EA7D" ma:contentTypeVersion="0" ma:contentTypeDescription="Create a new document." ma:contentTypeScope="" ma:versionID="fe3f4dd58d5914c51cfc6deaa8ad845c">
   <xsd:schema xmlns:xsd="http://www.w3.org/2001/XMLSchema" xmlns:p="http://schemas.microsoft.com/office/2006/metadata/properties" targetNamespace="http://schemas.microsoft.com/office/2006/metadata/properties" ma:root="true" ma:fieldsID="4aeb20c0e3442673af7ee10786458764">
     <xsd:element name="properties">
@@ -16576,6 +16573,12 @@
 </ct:contentTypeSchema>
 </file>
 
+<file path=customXml/item2.xml><?xml version="1.0" encoding="utf-8"?>
+<p:properties xmlns:p="http://schemas.microsoft.com/office/2006/metadata/properties" xmlns:xsi="http://www.w3.org/2001/XMLSchema-instance" xmlns:pc="http://schemas.microsoft.com/office/infopath/2007/PartnerControls">
+  <documentManagement/>
+</p:properties>
+</file>
+
 <file path=customXml/item3.xml><?xml version="1.0" encoding="utf-8"?>
 <?mso-contentType ?>
 <FormTemplates xmlns="http://schemas.microsoft.com/sharepoint/v3/contenttype/forms">
@@ -16586,6 +16589,21 @@
 </file>
 
 <file path=customXml/itemProps1.xml><?xml version="1.0" encoding="utf-8"?>
+<ds:datastoreItem xmlns:ds="http://schemas.openxmlformats.org/officeDocument/2006/customXml" ds:itemID="{E8DB7DEB-074E-4EE8-9B6E-FD277323109C}">
+  <ds:schemaRefs>
+    <ds:schemaRef ds:uri="http://schemas.microsoft.com/office/2006/metadata/contentType"/>
+    <ds:schemaRef ds:uri="http://schemas.microsoft.com/office/2006/metadata/properties/metaAttributes"/>
+    <ds:schemaRef ds:uri="http://www.w3.org/2001/XMLSchema"/>
+    <ds:schemaRef ds:uri="http://schemas.microsoft.com/office/2006/metadata/properties"/>
+    <ds:schemaRef ds:uri="http://schemas.openxmlformats.org/package/2006/metadata/core-properties"/>
+    <ds:schemaRef ds:uri="http://purl.org/dc/elements/1.1/"/>
+    <ds:schemaRef ds:uri="http://purl.org/dc/terms/"/>
+    <ds:schemaRef ds:uri="http://schemas.microsoft.com/office/internal/2005/internalDocumentation"/>
+  </ds:schemaRefs>
+</ds:datastoreItem>
+</file>
+
+<file path=customXml/itemProps2.xml><?xml version="1.0" encoding="utf-8"?>
 <ds:datastoreItem xmlns:ds="http://schemas.openxmlformats.org/officeDocument/2006/customXml" ds:itemID="{A50EC660-24D0-43A0-AE5E-E274115E726B}">
   <ds:schemaRefs>
     <ds:schemaRef ds:uri="http://purl.org/dc/terms/"/>
@@ -16600,21 +16618,6 @@
 </ds:datastoreItem>
 </file>
 
-<file path=customXml/itemProps2.xml><?xml version="1.0" encoding="utf-8"?>
-<ds:datastoreItem xmlns:ds="http://schemas.openxmlformats.org/officeDocument/2006/customXml" ds:itemID="{E8DB7DEB-074E-4EE8-9B6E-FD277323109C}">
-  <ds:schemaRefs>
-    <ds:schemaRef ds:uri="http://schemas.microsoft.com/office/2006/metadata/contentType"/>
-    <ds:schemaRef ds:uri="http://schemas.microsoft.com/office/2006/metadata/properties/metaAttributes"/>
-    <ds:schemaRef ds:uri="http://www.w3.org/2001/XMLSchema"/>
-    <ds:schemaRef ds:uri="http://schemas.microsoft.com/office/2006/metadata/properties"/>
-    <ds:schemaRef ds:uri="http://schemas.openxmlformats.org/package/2006/metadata/core-properties"/>
-    <ds:schemaRef ds:uri="http://purl.org/dc/elements/1.1/"/>
-    <ds:schemaRef ds:uri="http://purl.org/dc/terms/"/>
-    <ds:schemaRef ds:uri="http://schemas.microsoft.com/office/internal/2005/internalDocumentation"/>
-  </ds:schemaRefs>
-</ds:datastoreItem>
-</file>
-
 <file path=customXml/itemProps3.xml><?xml version="1.0" encoding="utf-8"?>
 <ds:datastoreItem xmlns:ds="http://schemas.openxmlformats.org/officeDocument/2006/customXml" ds:itemID="{19E20559-B232-4371-8690-E3D8007EDB82}">
   <ds:schemaRefs>
